--- a/images/app-architecture.pptx
+++ b/images/app-architecture.pptx
@@ -3661,42 +3661,6 @@
       </p:sp>
       <p:pic>
         <p:nvPicPr>
-          <p:cNvPr id="22" name="Graphic 21">
-            <a:extLst>
-              <a:ext uri="{FF2B5EF4-FFF2-40B4-BE49-F238E27FC236}">
-                <a16:creationId xmlns:a16="http://schemas.microsoft.com/office/drawing/2014/main" id="{B03104D9-DE82-CA4D-938C-CED3D0361A8E}"/>
-              </a:ext>
-            </a:extLst>
-          </p:cNvPr>
-          <p:cNvPicPr>
-            <a:picLocks noChangeAspect="1"/>
-          </p:cNvPicPr>
-          <p:nvPr/>
-        </p:nvPicPr>
-        <p:blipFill>
-          <a:blip r:embed="rId2">
-            <a:extLst>
-              <a:ext uri="{96DAC541-7B7A-43D3-8B79-37D633B846F1}">
-                <asvg:svgBlip xmlns:asvg="http://schemas.microsoft.com/office/drawing/2016/SVG/main" r:embed="rId3"/>
-              </a:ext>
-            </a:extLst>
-          </a:blip>
-          <a:stretch>
-            <a:fillRect/>
-          </a:stretch>
-        </p:blipFill>
-        <p:spPr>
-          <a:xfrm>
-            <a:off x="2378607" y="2824506"/>
-            <a:ext cx="684033" cy="855041"/>
-          </a:xfrm>
-          <a:prstGeom prst="rect">
-            <a:avLst/>
-          </a:prstGeom>
-        </p:spPr>
-      </p:pic>
-      <p:pic>
-        <p:nvPicPr>
           <p:cNvPr id="27" name="Graphic 26">
             <a:extLst>
               <a:ext uri="{FF2B5EF4-FFF2-40B4-BE49-F238E27FC236}">
@@ -3731,46 +3695,6 @@
           </a:prstGeom>
         </p:spPr>
       </p:pic>
-      <p:sp>
-        <p:nvSpPr>
-          <p:cNvPr id="28" name="TextBox 27">
-            <a:extLst>
-              <a:ext uri="{FF2B5EF4-FFF2-40B4-BE49-F238E27FC236}">
-                <a16:creationId xmlns:a16="http://schemas.microsoft.com/office/drawing/2014/main" id="{3823187D-D959-394C-BFDA-23EE6A6458B7}"/>
-              </a:ext>
-            </a:extLst>
-          </p:cNvPr>
-          <p:cNvSpPr txBox="1"/>
-          <p:nvPr/>
-        </p:nvSpPr>
-        <p:spPr>
-          <a:xfrm>
-            <a:off x="3740992" y="3787273"/>
-            <a:ext cx="1072750" cy="261610"/>
-          </a:xfrm>
-          <a:prstGeom prst="rect">
-            <a:avLst/>
-          </a:prstGeom>
-          <a:noFill/>
-        </p:spPr>
-        <p:txBody>
-          <a:bodyPr wrap="square" rtlCol="0">
-            <a:spAutoFit/>
-          </a:bodyPr>
-          <a:lstStyle/>
-          <a:p>
-            <a:pPr algn="ctr"/>
-            <a:r>
-              <a:rPr lang="en-US" sz="1100" dirty="0">
-                <a:solidFill>
-                  <a:schemeClr val="bg1"/>
-                </a:solidFill>
-              </a:rPr>
-              <a:t>Lambda Log</a:t>
-            </a:r>
-          </a:p>
-        </p:txBody>
-      </p:sp>
       <p:cxnSp>
         <p:nvCxnSpPr>
           <p:cNvPr id="29" name="Straight Arrow Connector 28">
@@ -3788,51 +3712,6 @@
         <p:spPr>
           <a:xfrm>
             <a:off x="4826158" y="3252027"/>
-            <a:ext cx="561159" cy="0"/>
-          </a:xfrm>
-          <a:prstGeom prst="straightConnector1">
-            <a:avLst/>
-          </a:prstGeom>
-          <a:ln w="12700">
-            <a:solidFill>
-              <a:srgbClr val="E6ECEF"/>
-            </a:solidFill>
-            <a:headEnd type="none" w="med" len="sm"/>
-            <a:tailEnd type="arrow" w="med" len="sm"/>
-          </a:ln>
-        </p:spPr>
-        <p:style>
-          <a:lnRef idx="1">
-            <a:schemeClr val="accent1"/>
-          </a:lnRef>
-          <a:fillRef idx="0">
-            <a:schemeClr val="accent1"/>
-          </a:fillRef>
-          <a:effectRef idx="0">
-            <a:schemeClr val="accent1"/>
-          </a:effectRef>
-          <a:fontRef idx="minor">
-            <a:schemeClr val="tx1"/>
-          </a:fontRef>
-        </p:style>
-      </p:cxnSp>
-      <p:cxnSp>
-        <p:nvCxnSpPr>
-          <p:cNvPr id="32" name="Straight Arrow Connector 31">
-            <a:extLst>
-              <a:ext uri="{FF2B5EF4-FFF2-40B4-BE49-F238E27FC236}">
-                <a16:creationId xmlns:a16="http://schemas.microsoft.com/office/drawing/2014/main" id="{931D9ED6-CB44-144C-AE01-F744128CE234}"/>
-              </a:ext>
-            </a:extLst>
-          </p:cNvPr>
-          <p:cNvCxnSpPr>
-            <a:cxnSpLocks/>
-          </p:cNvCxnSpPr>
-          <p:nvPr/>
-        </p:nvCxnSpPr>
-        <p:spPr>
-          <a:xfrm>
-            <a:off x="3199744" y="3252027"/>
             <a:ext cx="561159" cy="0"/>
           </a:xfrm>
           <a:prstGeom prst="straightConnector1">

--- a/images/app-architecture.pptx
+++ b/images/app-architecture.pptx
@@ -3654,7 +3654,7 @@
                   <a:srgbClr val="B6BABF"/>
                 </a:solidFill>
               </a:rPr>
-              <a:t>-lambda-logs-to-kinesis-firehose app</a:t>
+              <a:t>-logs-to-kinesis-firehose app</a:t>
             </a:r>
           </a:p>
         </p:txBody>
